--- a/Presentations/File Handling.pptx
+++ b/Presentations/File Handling.pptx
@@ -318,7 +318,7 @@
           <a:p>
             <a:fld id="{D416EA5A-65AB-45E5-9D84-B586D6C0E00D}" type="datetimeFigureOut">
               <a:rPr lang="en-US" smtClean="0"/>
-              <a:t>6/20/2022</a:t>
+              <a:t>7/11/2022</a:t>
             </a:fld>
             <a:endParaRPr lang="en-US"/>
           </a:p>
@@ -1068,7 +1068,7 @@
           <a:p>
             <a:fld id="{0B7DCD51-3132-4DA2-A3D4-CE434020CB00}" type="datetimeFigureOut">
               <a:rPr lang="en-US" smtClean="0"/>
-              <a:t>6/20/2022</a:t>
+              <a:t>7/11/2022</a:t>
             </a:fld>
             <a:endParaRPr lang="en-US"/>
           </a:p>
@@ -1266,7 +1266,7 @@
           <a:p>
             <a:fld id="{0B7DCD51-3132-4DA2-A3D4-CE434020CB00}" type="datetimeFigureOut">
               <a:rPr lang="en-US" smtClean="0"/>
-              <a:t>6/20/2022</a:t>
+              <a:t>7/11/2022</a:t>
             </a:fld>
             <a:endParaRPr lang="en-US"/>
           </a:p>
@@ -1474,7 +1474,7 @@
           <a:p>
             <a:fld id="{0B7DCD51-3132-4DA2-A3D4-CE434020CB00}" type="datetimeFigureOut">
               <a:rPr lang="en-US" smtClean="0"/>
-              <a:t>6/20/2022</a:t>
+              <a:t>7/11/2022</a:t>
             </a:fld>
             <a:endParaRPr lang="en-US"/>
           </a:p>
@@ -1672,7 +1672,7 @@
           <a:p>
             <a:fld id="{0B7DCD51-3132-4DA2-A3D4-CE434020CB00}" type="datetimeFigureOut">
               <a:rPr lang="en-US" smtClean="0"/>
-              <a:t>6/20/2022</a:t>
+              <a:t>7/11/2022</a:t>
             </a:fld>
             <a:endParaRPr lang="en-US"/>
           </a:p>
@@ -1947,7 +1947,7 @@
           <a:p>
             <a:fld id="{0B7DCD51-3132-4DA2-A3D4-CE434020CB00}" type="datetimeFigureOut">
               <a:rPr lang="en-US" smtClean="0"/>
-              <a:t>6/20/2022</a:t>
+              <a:t>7/11/2022</a:t>
             </a:fld>
             <a:endParaRPr lang="en-US"/>
           </a:p>
@@ -2212,7 +2212,7 @@
           <a:p>
             <a:fld id="{0B7DCD51-3132-4DA2-A3D4-CE434020CB00}" type="datetimeFigureOut">
               <a:rPr lang="en-US" smtClean="0"/>
-              <a:t>6/20/2022</a:t>
+              <a:t>7/11/2022</a:t>
             </a:fld>
             <a:endParaRPr lang="en-US"/>
           </a:p>
@@ -2624,7 +2624,7 @@
           <a:p>
             <a:fld id="{0B7DCD51-3132-4DA2-A3D4-CE434020CB00}" type="datetimeFigureOut">
               <a:rPr lang="en-US" smtClean="0"/>
-              <a:t>6/20/2022</a:t>
+              <a:t>7/11/2022</a:t>
             </a:fld>
             <a:endParaRPr lang="en-US"/>
           </a:p>
@@ -2765,7 +2765,7 @@
           <a:p>
             <a:fld id="{0B7DCD51-3132-4DA2-A3D4-CE434020CB00}" type="datetimeFigureOut">
               <a:rPr lang="en-US" smtClean="0"/>
-              <a:t>6/20/2022</a:t>
+              <a:t>7/11/2022</a:t>
             </a:fld>
             <a:endParaRPr lang="en-US"/>
           </a:p>
@@ -2878,7 +2878,7 @@
           <a:p>
             <a:fld id="{0B7DCD51-3132-4DA2-A3D4-CE434020CB00}" type="datetimeFigureOut">
               <a:rPr lang="en-US" smtClean="0"/>
-              <a:t>6/20/2022</a:t>
+              <a:t>7/11/2022</a:t>
             </a:fld>
             <a:endParaRPr lang="en-US"/>
           </a:p>
@@ -3189,7 +3189,7 @@
           <a:p>
             <a:fld id="{0B7DCD51-3132-4DA2-A3D4-CE434020CB00}" type="datetimeFigureOut">
               <a:rPr lang="en-US" smtClean="0"/>
-              <a:t>6/20/2022</a:t>
+              <a:t>7/11/2022</a:t>
             </a:fld>
             <a:endParaRPr lang="en-US"/>
           </a:p>
@@ -3477,7 +3477,7 @@
           <a:p>
             <a:fld id="{0B7DCD51-3132-4DA2-A3D4-CE434020CB00}" type="datetimeFigureOut">
               <a:rPr lang="en-US" smtClean="0"/>
-              <a:t>6/20/2022</a:t>
+              <a:t>7/11/2022</a:t>
             </a:fld>
             <a:endParaRPr lang="en-US"/>
           </a:p>
@@ -3721,7 +3721,7 @@
           <a:p>
             <a:fld id="{0B7DCD51-3132-4DA2-A3D4-CE434020CB00}" type="datetimeFigureOut">
               <a:rPr lang="en-US" smtClean="0"/>
-              <a:t>6/20/2022</a:t>
+              <a:t>7/11/2022</a:t>
             </a:fld>
             <a:endParaRPr lang="en-US"/>
           </a:p>
@@ -12138,7 +12138,7 @@
                   <a:schemeClr val="bg2"/>
                 </a:solidFill>
               </a:rPr>
-              <a:t>. Cho biết mỗi ô số 1 là vị trí tàu địch, ô số 0 là biển. Ta được phép thả 1 thuỷ lôi đi theo một hàng hoặc cột. Tìm vị trí thả thuỷ lôi gây thiệt hại cho đội tàu địch nhất</a:t>
+              <a:t>. Cho biết mỗi ô số 1 là vị trí tàu địch, ô số 0 là biển. Ta được phép thả 1 thuỷ lôi đi theo một hàng hoặc cột. Tìm vị trí thả thuỷ lôi gây thiệt hại cho đội tàu địch nhất.</a:t>
             </a:r>
           </a:p>
         </p:txBody>
